--- a/Texto e Apresentação/Apresentação Mentoria.pptx
+++ b/Texto e Apresentação/Apresentação Mentoria.pptx
@@ -8476,6 +8476,15 @@
 </file>
 
 <file path=customXml/item1.xml><?xml version="1.0" encoding="utf-8"?>
+<?mso-contentType ?>
+<FormTemplates xmlns="http://schemas.microsoft.com/sharepoint/v3/contenttype/forms">
+  <Display>DocumentLibraryForm</Display>
+  <Edit>DocumentLibraryForm</Edit>
+  <New>DocumentLibraryForm</New>
+</FormTemplates>
+</file>
+
+<file path=customXml/item2.xml><?xml version="1.0" encoding="utf-8"?>
 <ct:contentTypeSchema xmlns:ct="http://schemas.microsoft.com/office/2006/metadata/contentType" xmlns:ma="http://schemas.microsoft.com/office/2006/metadata/properties/metaAttributes" ct:_="" ma:_="" ma:contentTypeName="Documento" ma:contentTypeID="0x01010040989EBC629E8642A9BEF5808D66863B" ma:contentTypeVersion="7" ma:contentTypeDescription="Crie um novo documento." ma:contentTypeScope="" ma:versionID="7b5a3ef0a5dcdb64c4e6996a71cce123">
   <xsd:schema xmlns:xsd="http://www.w3.org/2001/XMLSchema" xmlns:xs="http://www.w3.org/2001/XMLSchema" xmlns:p="http://schemas.microsoft.com/office/2006/metadata/properties" xmlns:ns2="25326074-5e9b-466d-9598-ba19fbed76c5" xmlns:ns3="95efa08a-4682-4621-aece-48d8f465838d" targetNamespace="http://schemas.microsoft.com/office/2006/metadata/properties" ma:root="true" ma:fieldsID="eaf4ac9984d29e8a4055672a0ca6fbe2" ns2:_="" ns3:_="">
     <xsd:import namespace="25326074-5e9b-466d-9598-ba19fbed76c5"/>
@@ -8652,15 +8661,6 @@
 </ct:contentTypeSchema>
 </file>
 
-<file path=customXml/item2.xml><?xml version="1.0" encoding="utf-8"?>
-<?mso-contentType ?>
-<FormTemplates xmlns="http://schemas.microsoft.com/sharepoint/v3/contenttype/forms">
-  <Display>DocumentLibraryForm</Display>
-  <Edit>DocumentLibraryForm</Edit>
-  <New>DocumentLibraryForm</New>
-</FormTemplates>
-</file>
-
 <file path=customXml/item3.xml><?xml version="1.0" encoding="utf-8"?>
 <p:properties xmlns:p="http://schemas.microsoft.com/office/2006/metadata/properties" xmlns:xsi="http://www.w3.org/2001/XMLSchema-instance" xmlns:pc="http://schemas.microsoft.com/office/infopath/2007/PartnerControls">
   <documentManagement/>
@@ -8668,6 +8668,14 @@
 </file>
 
 <file path=customXml/itemProps1.xml><?xml version="1.0" encoding="utf-8"?>
+<ds:datastoreItem xmlns:ds="http://schemas.openxmlformats.org/officeDocument/2006/customXml" ds:itemID="{5A2564A1-BC77-4112-A3A0-1E925587612C}">
+  <ds:schemaRefs>
+    <ds:schemaRef ds:uri="http://schemas.microsoft.com/sharepoint/v3/contenttype/forms"/>
+  </ds:schemaRefs>
+</ds:datastoreItem>
+</file>
+
+<file path=customXml/itemProps2.xml><?xml version="1.0" encoding="utf-8"?>
 <ds:datastoreItem xmlns:ds="http://schemas.openxmlformats.org/officeDocument/2006/customXml" ds:itemID="{D28D6D58-D117-4082-92F9-6C38F3561318}">
   <ds:schemaRefs>
     <ds:schemaRef ds:uri="http://schemas.microsoft.com/office/2006/metadata/contentType"/>
@@ -8686,14 +8694,6 @@
 </ds:datastoreItem>
 </file>
 
-<file path=customXml/itemProps2.xml><?xml version="1.0" encoding="utf-8"?>
-<ds:datastoreItem xmlns:ds="http://schemas.openxmlformats.org/officeDocument/2006/customXml" ds:itemID="{5A2564A1-BC77-4112-A3A0-1E925587612C}">
-  <ds:schemaRefs>
-    <ds:schemaRef ds:uri="http://schemas.microsoft.com/sharepoint/v3/contenttype/forms"/>
-  </ds:schemaRefs>
-</ds:datastoreItem>
-</file>
-
 <file path=customXml/itemProps3.xml><?xml version="1.0" encoding="utf-8"?>
 <ds:datastoreItem xmlns:ds="http://schemas.openxmlformats.org/officeDocument/2006/customXml" ds:itemID="{0529C310-6D7E-435A-BAC3-0113CB0C42FC}">
   <ds:schemaRefs>

--- a/Texto e Apresentação/Apresentação Mentoria.pptx
+++ b/Texto e Apresentação/Apresentação Mentoria.pptx
@@ -216,7 +216,7 @@
           <a:p>
             <a:fld id="{BB52CE9F-3EF7-46EE-B391-82811D6E863C}" type="datetimeFigureOut">
               <a:rPr lang="pt-BR" smtClean="0"/>
-              <a:t>24/08/2019</a:t>
+              <a:t>26/08/2019</a:t>
             </a:fld>
             <a:endParaRPr lang="pt-BR"/>
           </a:p>
@@ -6106,6 +6106,50 @@
           </a:p>
         </p:txBody>
       </p:sp>
+      <p:sp>
+        <p:nvSpPr>
+          <p:cNvPr id="3" name="CaixaDeTexto 2">
+            <a:extLst>
+              <a:ext uri="{FF2B5EF4-FFF2-40B4-BE49-F238E27FC236}">
+                <a16:creationId xmlns:a16="http://schemas.microsoft.com/office/drawing/2014/main" id="{6B5365B2-9E5C-41B1-B603-3927D7488C25}"/>
+              </a:ext>
+            </a:extLst>
+          </p:cNvPr>
+          <p:cNvSpPr txBox="1"/>
+          <p:nvPr/>
+        </p:nvSpPr>
+        <p:spPr>
+          <a:xfrm>
+            <a:off x="3676948" y="1428446"/>
+            <a:ext cx="5131661" cy="400110"/>
+          </a:xfrm>
+          <a:prstGeom prst="rect">
+            <a:avLst/>
+          </a:prstGeom>
+          <a:noFill/>
+        </p:spPr>
+        <p:txBody>
+          <a:bodyPr wrap="none" rtlCol="0">
+            <a:spAutoFit/>
+          </a:bodyPr>
+          <a:lstStyle/>
+          <a:p>
+            <a:r>
+              <a:rPr lang="pt-BR" sz="2000" dirty="0">
+                <a:solidFill>
+                  <a:schemeClr val="bg1"/>
+                </a:solidFill>
+              </a:rPr>
+              <a:t>“Se não puder fazer tudo, faça tudo que puder”</a:t>
+            </a:r>
+            <a:endParaRPr lang="pt-BR" dirty="0">
+              <a:solidFill>
+                <a:schemeClr val="bg1"/>
+              </a:solidFill>
+            </a:endParaRPr>
+          </a:p>
+        </p:txBody>
+      </p:sp>
     </p:spTree>
     <p:extLst>
       <p:ext uri="{BB962C8B-B14F-4D97-AF65-F5344CB8AC3E}">
@@ -7024,8 +7068,13 @@
             </a:pPr>
             <a:r>
               <a:rPr lang="pt-BR" b="1" dirty="0"/>
-              <a:t>ESPECIALISTA DE DOMÍNINO</a:t>
-            </a:r>
+              <a:t>ESPECIALISTA </a:t>
+            </a:r>
+            <a:r>
+              <a:rPr lang="pt-BR" b="1"/>
+              <a:t>DE DOMÍNIO</a:t>
+            </a:r>
+            <a:endParaRPr lang="pt-BR" b="1" dirty="0"/>
           </a:p>
           <a:p>
             <a:pPr marL="0" indent="0" algn="just">
